--- a/Save the dog.pptx
+++ b/Save the dog.pptx
@@ -304,7 +304,7 @@
           <a:p>
             <a:fld id="{540D185A-63B6-400A-96E9-7E124A24A8F4}" type="datetimeFigureOut">
               <a:rPr lang="ru-RU" smtClean="0"/>
-              <a:t>25.01.2024</a:t>
+              <a:t>27.01.2024</a:t>
             </a:fld>
             <a:endParaRPr lang="ru-RU"/>
           </a:p>
@@ -616,7 +616,7 @@
           <a:p>
             <a:fld id="{540D185A-63B6-400A-96E9-7E124A24A8F4}" type="datetimeFigureOut">
               <a:rPr lang="ru-RU" smtClean="0"/>
-              <a:t>25.01.2024</a:t>
+              <a:t>27.01.2024</a:t>
             </a:fld>
             <a:endParaRPr lang="ru-RU"/>
           </a:p>
@@ -838,7 +838,7 @@
           <a:p>
             <a:fld id="{540D185A-63B6-400A-96E9-7E124A24A8F4}" type="datetimeFigureOut">
               <a:rPr lang="ru-RU" smtClean="0"/>
-              <a:t>25.01.2024</a:t>
+              <a:t>27.01.2024</a:t>
             </a:fld>
             <a:endParaRPr lang="ru-RU"/>
           </a:p>
@@ -1129,7 +1129,7 @@
           <a:p>
             <a:fld id="{540D185A-63B6-400A-96E9-7E124A24A8F4}" type="datetimeFigureOut">
               <a:rPr lang="ru-RU" smtClean="0"/>
-              <a:t>25.01.2024</a:t>
+              <a:t>27.01.2024</a:t>
             </a:fld>
             <a:endParaRPr lang="ru-RU"/>
           </a:p>
@@ -1583,7 +1583,7 @@
           <a:p>
             <a:fld id="{540D185A-63B6-400A-96E9-7E124A24A8F4}" type="datetimeFigureOut">
               <a:rPr lang="ru-RU" smtClean="0"/>
-              <a:t>25.01.2024</a:t>
+              <a:t>27.01.2024</a:t>
             </a:fld>
             <a:endParaRPr lang="ru-RU"/>
           </a:p>
@@ -2159,7 +2159,7 @@
           <a:p>
             <a:fld id="{540D185A-63B6-400A-96E9-7E124A24A8F4}" type="datetimeFigureOut">
               <a:rPr lang="ru-RU" smtClean="0"/>
-              <a:t>25.01.2024</a:t>
+              <a:t>27.01.2024</a:t>
             </a:fld>
             <a:endParaRPr lang="ru-RU"/>
           </a:p>
@@ -3011,7 +3011,7 @@
           <a:p>
             <a:fld id="{540D185A-63B6-400A-96E9-7E124A24A8F4}" type="datetimeFigureOut">
               <a:rPr lang="ru-RU" smtClean="0"/>
-              <a:t>25.01.2024</a:t>
+              <a:t>27.01.2024</a:t>
             </a:fld>
             <a:endParaRPr lang="ru-RU"/>
           </a:p>
@@ -3216,7 +3216,7 @@
           <a:p>
             <a:fld id="{540D185A-63B6-400A-96E9-7E124A24A8F4}" type="datetimeFigureOut">
               <a:rPr lang="ru-RU" smtClean="0"/>
-              <a:t>25.01.2024</a:t>
+              <a:t>27.01.2024</a:t>
             </a:fld>
             <a:endParaRPr lang="ru-RU"/>
           </a:p>
@@ -3430,7 +3430,7 @@
           <a:p>
             <a:fld id="{540D185A-63B6-400A-96E9-7E124A24A8F4}" type="datetimeFigureOut">
               <a:rPr lang="ru-RU" smtClean="0"/>
-              <a:t>25.01.2024</a:t>
+              <a:t>27.01.2024</a:t>
             </a:fld>
             <a:endParaRPr lang="ru-RU"/>
           </a:p>
@@ -3635,7 +3635,7 @@
           <a:p>
             <a:fld id="{540D185A-63B6-400A-96E9-7E124A24A8F4}" type="datetimeFigureOut">
               <a:rPr lang="ru-RU" smtClean="0"/>
-              <a:t>25.01.2024</a:t>
+              <a:t>27.01.2024</a:t>
             </a:fld>
             <a:endParaRPr lang="ru-RU"/>
           </a:p>
@@ -3915,7 +3915,7 @@
           <a:p>
             <a:fld id="{540D185A-63B6-400A-96E9-7E124A24A8F4}" type="datetimeFigureOut">
               <a:rPr lang="ru-RU" smtClean="0"/>
-              <a:t>25.01.2024</a:t>
+              <a:t>27.01.2024</a:t>
             </a:fld>
             <a:endParaRPr lang="ru-RU"/>
           </a:p>
@@ -4182,7 +4182,7 @@
           <a:p>
             <a:fld id="{540D185A-63B6-400A-96E9-7E124A24A8F4}" type="datetimeFigureOut">
               <a:rPr lang="ru-RU" smtClean="0"/>
-              <a:t>25.01.2024</a:t>
+              <a:t>27.01.2024</a:t>
             </a:fld>
             <a:endParaRPr lang="ru-RU"/>
           </a:p>
@@ -4597,7 +4597,7 @@
           <a:p>
             <a:fld id="{540D185A-63B6-400A-96E9-7E124A24A8F4}" type="datetimeFigureOut">
               <a:rPr lang="ru-RU" smtClean="0"/>
-              <a:t>25.01.2024</a:t>
+              <a:t>27.01.2024</a:t>
             </a:fld>
             <a:endParaRPr lang="ru-RU"/>
           </a:p>
@@ -4745,7 +4745,7 @@
           <a:p>
             <a:fld id="{540D185A-63B6-400A-96E9-7E124A24A8F4}" type="datetimeFigureOut">
               <a:rPr lang="ru-RU" smtClean="0"/>
-              <a:t>25.01.2024</a:t>
+              <a:t>27.01.2024</a:t>
             </a:fld>
             <a:endParaRPr lang="ru-RU"/>
           </a:p>
@@ -4870,7 +4870,7 @@
           <a:p>
             <a:fld id="{540D185A-63B6-400A-96E9-7E124A24A8F4}" type="datetimeFigureOut">
               <a:rPr lang="ru-RU" smtClean="0"/>
-              <a:t>25.01.2024</a:t>
+              <a:t>27.01.2024</a:t>
             </a:fld>
             <a:endParaRPr lang="ru-RU"/>
           </a:p>
@@ -5149,7 +5149,7 @@
           <a:p>
             <a:fld id="{540D185A-63B6-400A-96E9-7E124A24A8F4}" type="datetimeFigureOut">
               <a:rPr lang="ru-RU" smtClean="0"/>
-              <a:t>25.01.2024</a:t>
+              <a:t>27.01.2024</a:t>
             </a:fld>
             <a:endParaRPr lang="ru-RU"/>
           </a:p>
@@ -5461,7 +5461,7 @@
           <a:p>
             <a:fld id="{540D185A-63B6-400A-96E9-7E124A24A8F4}" type="datetimeFigureOut">
               <a:rPr lang="ru-RU" smtClean="0"/>
-              <a:t>25.01.2024</a:t>
+              <a:t>27.01.2024</a:t>
             </a:fld>
             <a:endParaRPr lang="ru-RU"/>
           </a:p>
@@ -5714,7 +5714,7 @@
           <a:p>
             <a:fld id="{540D185A-63B6-400A-96E9-7E124A24A8F4}" type="datetimeFigureOut">
               <a:rPr lang="ru-RU" smtClean="0"/>
-              <a:t>25.01.2024</a:t>
+              <a:t>27.01.2024</a:t>
             </a:fld>
             <a:endParaRPr lang="ru-RU"/>
           </a:p>
@@ -6489,7 +6489,7 @@
                 <a:effectLst/>
                 <a:latin typeface="PT Sans" panose="020B0503020203020204" pitchFamily="34" charset="-52"/>
               </a:rPr>
-              <a:t>— Игра головоломка, в которой вы будете рисовать линии пальцем или мышкой, чтобы создать заграждение и спасти собаку от пчел и других опасностей. После того как вы нарисуете линии вам необходимо продержаться 10 секунд и не допустить чтобы собачку укусили пчелы или она не попала на шипы. </a:t>
+              <a:t>— Игра головоломка, в которой вы будете рисовать линии пальцем или мышкой, чтобы создать заграждение и спасти собаку опасностей. После того как вы нарисуете линии вам необходимо продержаться 10 секунд и не допустить чтобы не попала на шипы. </a:t>
             </a:r>
             <a:endParaRPr lang="ru-RU" dirty="0"/>
           </a:p>
@@ -7138,29 +7138,34 @@
           </a:p>
         </p:txBody>
       </p:sp>
-      <p:sp>
-        <p:nvSpPr>
-          <p:cNvPr id="3" name="Рисунок 2">
+      <p:pic>
+        <p:nvPicPr>
+          <p:cNvPr id="6" name="Рисунок 5">
             <a:extLst>
               <a:ext uri="{FF2B5EF4-FFF2-40B4-BE49-F238E27FC236}">
-                <a16:creationId xmlns:a16="http://schemas.microsoft.com/office/drawing/2014/main" id="{C295466E-B8E0-C999-58D4-CA33DA4C40B1}"/>
+                <a16:creationId xmlns:a16="http://schemas.microsoft.com/office/drawing/2014/main" id="{24CEA957-4BD1-22F6-E332-C8C7E88F1DC8}"/>
               </a:ext>
             </a:extLst>
           </p:cNvPr>
-          <p:cNvSpPr>
-            <a:spLocks noGrp="1"/>
-          </p:cNvSpPr>
+          <p:cNvPicPr>
+            <a:picLocks noGrp="1" noChangeAspect="1"/>
+          </p:cNvPicPr>
           <p:nvPr>
             <p:ph type="pic" idx="1"/>
           </p:nvPr>
-        </p:nvSpPr>
-        <p:spPr>
-          <a:xfrm>
-            <a:off x="6914606" y="1495697"/>
-            <a:ext cx="4598125" cy="3866605"/>
-          </a:xfrm>
-        </p:spPr>
-      </p:sp>
+        </p:nvPicPr>
+        <p:blipFill>
+          <a:blip r:embed="rId2"/>
+          <a:srcRect l="14406" r="14406"/>
+          <a:stretch/>
+        </p:blipFill>
+        <p:spPr>
+          <a:xfrm>
+            <a:off x="6662057" y="1495425"/>
+            <a:ext cx="5068207" cy="3867150"/>
+          </a:xfrm>
+        </p:spPr>
+      </p:pic>
       <p:sp>
         <p:nvSpPr>
           <p:cNvPr id="4" name="Текст 3">
@@ -7310,7 +7315,12 @@
             <p:ph type="pic" idx="1"/>
           </p:nvPr>
         </p:nvSpPr>
-        <p:spPr/>
+        <p:spPr>
+          <a:xfrm>
+            <a:off x="6966857" y="1710863"/>
+            <a:ext cx="4563290" cy="3436276"/>
+          </a:xfrm>
+        </p:spPr>
       </p:sp>
       <p:sp>
         <p:nvSpPr>
@@ -7349,7 +7359,7 @@
             </a:pPr>
             <a:r>
               <a:rPr lang="ru-RU" dirty="0"/>
-              <a:t>В игре реализована вода, лава и шипы</a:t>
+              <a:t>В игре реализована вода и шипы</a:t>
             </a:r>
           </a:p>
           <a:p>
@@ -7364,6 +7374,36 @@
           </a:p>
         </p:txBody>
       </p:sp>
+      <p:pic>
+        <p:nvPicPr>
+          <p:cNvPr id="8" name="Рисунок 7">
+            <a:extLst>
+              <a:ext uri="{FF2B5EF4-FFF2-40B4-BE49-F238E27FC236}">
+                <a16:creationId xmlns:a16="http://schemas.microsoft.com/office/drawing/2014/main" id="{52EED4B2-EC76-84EF-B64C-6CC391A6245D}"/>
+              </a:ext>
+            </a:extLst>
+          </p:cNvPr>
+          <p:cNvPicPr>
+            <a:picLocks noChangeAspect="1"/>
+          </p:cNvPicPr>
+          <p:nvPr/>
+        </p:nvPicPr>
+        <p:blipFill>
+          <a:blip r:embed="rId2"/>
+          <a:stretch>
+            <a:fillRect/>
+          </a:stretch>
+        </p:blipFill>
+        <p:spPr>
+          <a:xfrm>
+            <a:off x="6966857" y="1710862"/>
+            <a:ext cx="4563291" cy="3436276"/>
+          </a:xfrm>
+          <a:prstGeom prst="rect">
+            <a:avLst/>
+          </a:prstGeom>
+        </p:spPr>
+      </p:pic>
     </p:spTree>
     <p:extLst>
       <p:ext uri="{BB962C8B-B14F-4D97-AF65-F5344CB8AC3E}">
@@ -7422,31 +7462,35 @@
           </a:p>
         </p:txBody>
       </p:sp>
-      <p:sp>
-        <p:nvSpPr>
-          <p:cNvPr id="3" name="Объект 2">
+      <p:pic>
+        <p:nvPicPr>
+          <p:cNvPr id="5" name="Объект 4">
             <a:extLst>
               <a:ext uri="{FF2B5EF4-FFF2-40B4-BE49-F238E27FC236}">
-                <a16:creationId xmlns:a16="http://schemas.microsoft.com/office/drawing/2014/main" id="{8F7E861E-E1E9-30C3-EC2A-2A624F73DB25}"/>
+                <a16:creationId xmlns:a16="http://schemas.microsoft.com/office/drawing/2014/main" id="{B3BBCD77-B325-46B0-7E1A-2AFC921CB3FE}"/>
               </a:ext>
             </a:extLst>
           </p:cNvPr>
-          <p:cNvSpPr>
-            <a:spLocks noGrp="1"/>
-          </p:cNvSpPr>
+          <p:cNvPicPr>
+            <a:picLocks noGrp="1" noChangeAspect="1"/>
+          </p:cNvPicPr>
           <p:nvPr>
             <p:ph sz="quarter" idx="13"/>
           </p:nvPr>
-        </p:nvSpPr>
-        <p:spPr/>
-        <p:txBody>
-          <a:bodyPr/>
-          <a:lstStyle/>
-          <a:p>
-            <a:endParaRPr lang="ru-RU"/>
-          </a:p>
-        </p:txBody>
-      </p:sp>
+        </p:nvPicPr>
+        <p:blipFill>
+          <a:blip r:embed="rId2"/>
+          <a:stretch>
+            <a:fillRect/>
+          </a:stretch>
+        </p:blipFill>
+        <p:spPr>
+          <a:xfrm>
+            <a:off x="2570102" y="2214694"/>
+            <a:ext cx="7051795" cy="4228240"/>
+          </a:xfrm>
+        </p:spPr>
+      </p:pic>
     </p:spTree>
     <p:extLst>
       <p:ext uri="{BB962C8B-B14F-4D97-AF65-F5344CB8AC3E}">
@@ -7505,31 +7549,35 @@
           </a:p>
         </p:txBody>
       </p:sp>
-      <p:sp>
-        <p:nvSpPr>
-          <p:cNvPr id="3" name="Объект 2">
+      <p:pic>
+        <p:nvPicPr>
+          <p:cNvPr id="9" name="Объект 8">
             <a:extLst>
               <a:ext uri="{FF2B5EF4-FFF2-40B4-BE49-F238E27FC236}">
-                <a16:creationId xmlns:a16="http://schemas.microsoft.com/office/drawing/2014/main" id="{F61AA955-F2C2-B29C-A98C-A0D8C226501A}"/>
+                <a16:creationId xmlns:a16="http://schemas.microsoft.com/office/drawing/2014/main" id="{955F6B80-F725-1307-E510-4524ED1F5683}"/>
               </a:ext>
             </a:extLst>
           </p:cNvPr>
-          <p:cNvSpPr>
-            <a:spLocks noGrp="1"/>
-          </p:cNvSpPr>
+          <p:cNvPicPr>
+            <a:picLocks noGrp="1" noChangeAspect="1"/>
+          </p:cNvPicPr>
           <p:nvPr>
             <p:ph sz="quarter" idx="13"/>
           </p:nvPr>
-        </p:nvSpPr>
-        <p:spPr/>
-        <p:txBody>
-          <a:bodyPr/>
-          <a:lstStyle/>
-          <a:p>
-            <a:endParaRPr lang="ru-RU"/>
-          </a:p>
-        </p:txBody>
-      </p:sp>
+        </p:nvPicPr>
+        <p:blipFill>
+          <a:blip r:embed="rId2"/>
+          <a:stretch>
+            <a:fillRect/>
+          </a:stretch>
+        </p:blipFill>
+        <p:spPr>
+          <a:xfrm>
+            <a:off x="2353279" y="2214694"/>
+            <a:ext cx="7295818" cy="4365771"/>
+          </a:xfrm>
+        </p:spPr>
+      </p:pic>
     </p:spTree>
     <p:extLst>
       <p:ext uri="{BB962C8B-B14F-4D97-AF65-F5344CB8AC3E}">
@@ -7588,31 +7636,35 @@
           </a:p>
         </p:txBody>
       </p:sp>
-      <p:sp>
-        <p:nvSpPr>
-          <p:cNvPr id="3" name="Объект 2">
+      <p:pic>
+        <p:nvPicPr>
+          <p:cNvPr id="5" name="Объект 4">
             <a:extLst>
               <a:ext uri="{FF2B5EF4-FFF2-40B4-BE49-F238E27FC236}">
-                <a16:creationId xmlns:a16="http://schemas.microsoft.com/office/drawing/2014/main" id="{F21091D0-32DE-E823-E3C9-29FB84CE9DF2}"/>
+                <a16:creationId xmlns:a16="http://schemas.microsoft.com/office/drawing/2014/main" id="{EE5FCB12-EF2E-9E03-7A93-83913751B619}"/>
               </a:ext>
             </a:extLst>
           </p:cNvPr>
-          <p:cNvSpPr>
-            <a:spLocks noGrp="1"/>
-          </p:cNvSpPr>
+          <p:cNvPicPr>
+            <a:picLocks noGrp="1" noChangeAspect="1"/>
+          </p:cNvPicPr>
           <p:nvPr>
             <p:ph sz="quarter" idx="13"/>
           </p:nvPr>
-        </p:nvSpPr>
-        <p:spPr/>
-        <p:txBody>
-          <a:bodyPr/>
-          <a:lstStyle/>
-          <a:p>
-            <a:endParaRPr lang="ru-RU" dirty="0"/>
-          </a:p>
-        </p:txBody>
-      </p:sp>
+        </p:nvPicPr>
+        <p:blipFill>
+          <a:blip r:embed="rId2"/>
+          <a:stretch>
+            <a:fillRect/>
+          </a:stretch>
+        </p:blipFill>
+        <p:spPr>
+          <a:xfrm>
+            <a:off x="2427294" y="2214694"/>
+            <a:ext cx="7230512" cy="4344081"/>
+          </a:xfrm>
+        </p:spPr>
+      </p:pic>
     </p:spTree>
     <p:extLst>
       <p:ext uri="{BB962C8B-B14F-4D97-AF65-F5344CB8AC3E}">
@@ -7671,31 +7723,35 @@
           </a:p>
         </p:txBody>
       </p:sp>
-      <p:sp>
-        <p:nvSpPr>
-          <p:cNvPr id="3" name="Объект 2">
+      <p:pic>
+        <p:nvPicPr>
+          <p:cNvPr id="4" name="Объект 4">
             <a:extLst>
               <a:ext uri="{FF2B5EF4-FFF2-40B4-BE49-F238E27FC236}">
-                <a16:creationId xmlns:a16="http://schemas.microsoft.com/office/drawing/2014/main" id="{AD7AFAD0-F3BA-7FBC-81BA-3A52EC17165B}"/>
+                <a16:creationId xmlns:a16="http://schemas.microsoft.com/office/drawing/2014/main" id="{0E6F2B89-6CFE-73E6-4E75-9BD3DDEB862C}"/>
               </a:ext>
             </a:extLst>
           </p:cNvPr>
-          <p:cNvSpPr>
-            <a:spLocks noGrp="1"/>
-          </p:cNvSpPr>
+          <p:cNvPicPr>
+            <a:picLocks noGrp="1" noChangeAspect="1"/>
+          </p:cNvPicPr>
           <p:nvPr>
             <p:ph sz="quarter" idx="13"/>
           </p:nvPr>
-        </p:nvSpPr>
-        <p:spPr/>
-        <p:txBody>
-          <a:bodyPr/>
-          <a:lstStyle/>
-          <a:p>
-            <a:endParaRPr lang="ru-RU"/>
-          </a:p>
-        </p:txBody>
-      </p:sp>
+        </p:nvPicPr>
+        <p:blipFill>
+          <a:blip r:embed="rId2"/>
+          <a:stretch>
+            <a:fillRect/>
+          </a:stretch>
+        </p:blipFill>
+        <p:spPr>
+          <a:xfrm>
+            <a:off x="2337783" y="2214695"/>
+            <a:ext cx="7198103" cy="4313092"/>
+          </a:xfrm>
+        </p:spPr>
+      </p:pic>
     </p:spTree>
     <p:extLst>
       <p:ext uri="{BB962C8B-B14F-4D97-AF65-F5344CB8AC3E}">
